--- a/DoorDashPresentation.pptx
+++ b/DoorDashPresentation.pptx
@@ -23330,7 +23330,7 @@
         </p:nvSpPr>
         <p:spPr>
           <a:xfrm>
-            <a:off x="457200" y="914249"/>
+            <a:off x="457200" y="1487174"/>
             <a:ext cx="8229600" cy="495300"/>
           </a:xfrm>
           <a:prstGeom prst="rect">
@@ -23495,25 +23495,18 @@
           </a:bodyPr>
           <a:lstStyle/>
           <a:p>
-            <a:pPr indent="0" lvl="0" marL="0" marR="0" rtl="0" algn="l">
-              <a:lnSpc>
-                <a:spcPct val="100000"/>
-              </a:lnSpc>
-              <a:spcBef>
-                <a:spcPts val="0"/>
-              </a:spcBef>
-              <a:spcAft>
-                <a:spcPts val="0"/>
-              </a:spcAft>
-              <a:buClr>
-                <a:srgbClr val="2D3D4A"/>
-              </a:buClr>
-              <a:buFont typeface="Open Sans"/>
+            <a:pPr indent="0" lvl="0" marL="0" rtl="0" algn="ctr">
+              <a:spcBef>
+                <a:spcPts val="700"/>
+              </a:spcBef>
+              <a:spcAft>
+                <a:spcPts val="0"/>
+              </a:spcAft>
               <a:buNone/>
             </a:pPr>
             <a:r>
-              <a:rPr lang="en" sz="1800"/>
-              <a:t>Track GPS Software</a:t>
+              <a:rPr lang="en"/>
+              <a:t>GPS Tracker</a:t>
             </a:r>
             <a:endParaRPr sz="500"/>
           </a:p>
@@ -23656,7 +23649,7 @@
         </p:nvSpPr>
         <p:spPr>
           <a:xfrm>
-            <a:off x="457200" y="914251"/>
+            <a:off x="457200" y="1321676"/>
             <a:ext cx="8229600" cy="309600"/>
           </a:xfrm>
           <a:prstGeom prst="rect">
@@ -23782,7 +23775,7 @@
         </p:nvSpPr>
         <p:spPr>
           <a:xfrm>
-            <a:off x="457200" y="304800"/>
+            <a:off x="457200" y="446375"/>
             <a:ext cx="8229600" cy="595200"/>
           </a:xfrm>
           <a:prstGeom prst="rect">
@@ -23799,7 +23792,7 @@
           </a:bodyPr>
           <a:lstStyle/>
           <a:p>
-            <a:pPr indent="0" lvl="0" marL="0" marR="0" rtl="0" algn="l">
+            <a:pPr indent="0" lvl="0" marL="0" marR="0" rtl="0" algn="ctr">
               <a:lnSpc>
                 <a:spcPct val="100000"/>
               </a:lnSpc>
@@ -23965,7 +23958,7 @@
         </p:nvSpPr>
         <p:spPr>
           <a:xfrm>
-            <a:off x="457200" y="914251"/>
+            <a:off x="508700" y="1550801"/>
             <a:ext cx="8229600" cy="309600"/>
           </a:xfrm>
           <a:prstGeom prst="rect">
@@ -24091,7 +24084,7 @@
         </p:nvSpPr>
         <p:spPr>
           <a:xfrm>
-            <a:off x="457200" y="304800"/>
+            <a:off x="457200" y="521975"/>
             <a:ext cx="8229600" cy="595200"/>
           </a:xfrm>
           <a:prstGeom prst="rect">
@@ -24108,7 +24101,7 @@
           </a:bodyPr>
           <a:lstStyle/>
           <a:p>
-            <a:pPr indent="0" lvl="0" marL="0" marR="0" rtl="0" algn="l">
+            <a:pPr indent="0" lvl="0" marL="0" marR="0" rtl="0" algn="ctr">
               <a:lnSpc>
                 <a:spcPct val="100000"/>
               </a:lnSpc>
@@ -26226,7 +26219,7 @@
             </a:pPr>
             <a:r>
               <a:rPr lang="en"/>
-              <a:t>We will put camera at 365 grades and if we send a message to the customer and only the customer can unlock the robot.</a:t>
+              <a:t>We will put camera at 365 grades and  we will send a message to the customer and only the customer can unlock the robot.</a:t>
             </a:r>
             <a:endParaRPr/>
           </a:p>
@@ -26640,7 +26633,7 @@
             </a:pPr>
             <a:r>
               <a:rPr lang="en"/>
-              <a:t>My Estimation is that reducing the labor budget can be very impressive , 37,3500 per years or $150 000/4</a:t>
+              <a:t>My Estimation is that reducing the labor budget can be very impressive , $37,350 per years or $150 000/4</a:t>
             </a:r>
             <a:r>
               <a:rPr lang="en" sz="1450">
@@ -26671,7 +26664,7 @@
             </a:endParaRPr>
           </a:p>
           <a:p>
-            <a:pPr indent="-117475" lvl="0" marL="114300" marR="0" rtl="0" algn="l">
+            <a:pPr indent="0" lvl="0" marL="114300" marR="0" rtl="0" algn="l">
               <a:lnSpc>
                 <a:spcPct val="100000"/>
               </a:lnSpc>
@@ -26681,12 +26674,7 @@
               <a:spcAft>
                 <a:spcPts val="0"/>
               </a:spcAft>
-              <a:buClr>
-                <a:srgbClr val="000000"/>
-              </a:buClr>
-              <a:buSzPts val="1450"/>
-              <a:buFont typeface="Georgia"/>
-              <a:buChar char="•"/>
+              <a:buNone/>
             </a:pPr>
             <a:r>
               <a:t/>
@@ -27230,44 +27218,44 @@
 </file>
 
 <file path=ppt/theme/theme1.xml><?xml version="1.0" encoding="utf-8"?>
-<a:theme xmlns:a="http://schemas.openxmlformats.org/drawingml/2006/main" xmlns:r="http://schemas.openxmlformats.org/officeDocument/2006/relationships">
+<a:theme xmlns:a="http://schemas.openxmlformats.org/drawingml/2006/main" xmlns:r="http://schemas.openxmlformats.org/officeDocument/2006/relationships" name="Udacity Template 16x9">
   <a:themeElements>
-    <a:clrScheme name="Default">
+    <a:clrScheme name="White">
       <a:dk1>
-        <a:srgbClr val="000000"/>
+        <a:srgbClr val="2E3D49"/>
       </a:dk1>
       <a:lt1>
-        <a:srgbClr val="FFFFFF"/>
+        <a:srgbClr val="7D97AD"/>
       </a:lt1>
       <a:dk2>
-        <a:srgbClr val="158158"/>
+        <a:srgbClr val="53585F"/>
       </a:dk2>
       <a:lt2>
-        <a:srgbClr val="F3F3F3"/>
+        <a:srgbClr val="DCDEE0"/>
       </a:lt2>
       <a:accent1>
-        <a:srgbClr val="058DC7"/>
+        <a:srgbClr val="0365C0"/>
       </a:accent1>
       <a:accent2>
-        <a:srgbClr val="50B432"/>
+        <a:srgbClr val="00882B"/>
       </a:accent2>
       <a:accent3>
-        <a:srgbClr val="ED561B"/>
+        <a:srgbClr val="DCBD23"/>
       </a:accent3>
       <a:accent4>
-        <a:srgbClr val="EDEF00"/>
+        <a:srgbClr val="DE6A10"/>
       </a:accent4>
       <a:accent5>
-        <a:srgbClr val="24CBE5"/>
+        <a:srgbClr val="C82506"/>
       </a:accent5>
       <a:accent6>
-        <a:srgbClr val="64E572"/>
+        <a:srgbClr val="773F9B"/>
       </a:accent6>
       <a:hlink>
-        <a:srgbClr val="2200CC"/>
+        <a:srgbClr val="0000FF"/>
       </a:hlink>
       <a:folHlink>
-        <a:srgbClr val="551A8B"/>
+        <a:srgbClr val="FF00FF"/>
       </a:folHlink>
     </a:clrScheme>
     <a:fontScheme name="Office">
@@ -27788,44 +27776,44 @@
 </file>
 
 <file path=ppt/theme/theme3.xml><?xml version="1.0" encoding="utf-8"?>
-<a:theme xmlns:a="http://schemas.openxmlformats.org/drawingml/2006/main" xmlns:r="http://schemas.openxmlformats.org/officeDocument/2006/relationships" name="Udacity Template 16x9">
+<a:theme xmlns:a="http://schemas.openxmlformats.org/drawingml/2006/main" xmlns:r="http://schemas.openxmlformats.org/officeDocument/2006/relationships">
   <a:themeElements>
-    <a:clrScheme name="White">
+    <a:clrScheme name="Default">
       <a:dk1>
-        <a:srgbClr val="2E3D49"/>
+        <a:srgbClr val="000000"/>
       </a:dk1>
       <a:lt1>
-        <a:srgbClr val="7D97AD"/>
+        <a:srgbClr val="FFFFFF"/>
       </a:lt1>
       <a:dk2>
-        <a:srgbClr val="53585F"/>
+        <a:srgbClr val="158158"/>
       </a:dk2>
       <a:lt2>
-        <a:srgbClr val="DCDEE0"/>
+        <a:srgbClr val="F3F3F3"/>
       </a:lt2>
       <a:accent1>
-        <a:srgbClr val="0365C0"/>
+        <a:srgbClr val="058DC7"/>
       </a:accent1>
       <a:accent2>
-        <a:srgbClr val="00882B"/>
+        <a:srgbClr val="50B432"/>
       </a:accent2>
       <a:accent3>
-        <a:srgbClr val="DCBD23"/>
+        <a:srgbClr val="ED561B"/>
       </a:accent3>
       <a:accent4>
-        <a:srgbClr val="DE6A10"/>
+        <a:srgbClr val="EDEF00"/>
       </a:accent4>
       <a:accent5>
-        <a:srgbClr val="C82506"/>
+        <a:srgbClr val="24CBE5"/>
       </a:accent5>
       <a:accent6>
-        <a:srgbClr val="773F9B"/>
+        <a:srgbClr val="64E572"/>
       </a:accent6>
       <a:hlink>
-        <a:srgbClr val="0000FF"/>
+        <a:srgbClr val="2200CC"/>
       </a:hlink>
       <a:folHlink>
-        <a:srgbClr val="FF00FF"/>
+        <a:srgbClr val="551A8B"/>
       </a:folHlink>
     </a:clrScheme>
     <a:fontScheme name="Office">
